--- a/Web Design/CSS/3. Layout/Layout.pptx
+++ b/Web Design/CSS/3. Layout/Layout.pptx
@@ -110,7 +110,7 @@
   </p:defaultTextStyle>
   <p:extLst>
     <p:ext uri="{EFAFB233-063F-42B5-8137-9DF3F51BA10A}">
-      <p15:sldGuideLst xmlns="" xmlns:p15="http://schemas.microsoft.com/office/powerpoint/2012/main">
+      <p15:sldGuideLst xmlns:p15="http://schemas.microsoft.com/office/powerpoint/2012/main" xmlns="">
         <p15:guide id="1" orient="horz" pos="2160">
           <p15:clr>
             <a:srgbClr val="A4A3A4"/>
@@ -1442,7 +1442,7 @@
     </p:spTree>
     <p:extLst>
       <p:ext uri="{BB962C8B-B14F-4D97-AF65-F5344CB8AC3E}">
-        <p14:creationId xmlns="" xmlns:p14="http://schemas.microsoft.com/office/powerpoint/2010/main" val="3141685506"/>
+        <p14:creationId xmlns:p14="http://schemas.microsoft.com/office/powerpoint/2010/main" xmlns="" val="3141685506"/>
       </p:ext>
     </p:extLst>
   </p:cSld>
@@ -4310,7 +4310,7 @@
           <a:blip r:embed="rId26">
             <a:extLst>
               <a:ext uri="{28A0092B-C50C-407E-A947-70E740481C1C}">
-                <a14:useLocalDpi xmlns="" xmlns:a14="http://schemas.microsoft.com/office/drawing/2010/main" val="0"/>
+                <a14:useLocalDpi xmlns:a14="http://schemas.microsoft.com/office/drawing/2010/main" xmlns="" val="0"/>
               </a:ext>
             </a:extLst>
           </a:blip>
@@ -4330,7 +4330,7 @@
           <a:noFill/>
           <a:extLst>
             <a:ext uri="{909E8E84-426E-40DD-AFC4-6F175D3DCCD1}">
-              <a14:hiddenFill xmlns="" xmlns:a14="http://schemas.microsoft.com/office/drawing/2010/main">
+              <a14:hiddenFill xmlns:a14="http://schemas.microsoft.com/office/drawing/2010/main" xmlns="">
                 <a:solidFill>
                   <a:srgbClr val="FFFFFF"/>
                 </a:solidFill>
@@ -4351,7 +4351,7 @@
           <a:blip r:embed="rId27" cstate="email">
             <a:extLst>
               <a:ext uri="{28A0092B-C50C-407E-A947-70E740481C1C}">
-                <a14:useLocalDpi xmlns="" xmlns:a14="http://schemas.microsoft.com/office/drawing/2010/main"/>
+                <a14:useLocalDpi xmlns:a14="http://schemas.microsoft.com/office/drawing/2010/main" xmlns=""/>
               </a:ext>
             </a:extLst>
           </a:blip>
@@ -4375,14 +4375,14 @@
           <a:effectLst/>
           <a:extLst>
             <a:ext uri="{909E8E84-426E-40DD-AFC4-6F175D3DCCD1}">
-              <a14:hiddenFill xmlns="" xmlns:a14="http://schemas.microsoft.com/office/drawing/2010/main">
+              <a14:hiddenFill xmlns:a14="http://schemas.microsoft.com/office/drawing/2010/main" xmlns="">
                 <a:solidFill>
                   <a:schemeClr val="accent1"/>
                 </a:solidFill>
               </a14:hiddenFill>
             </a:ext>
             <a:ext uri="{91240B29-F687-4F45-9708-019B960494DF}">
-              <a14:hiddenLine xmlns="" xmlns:a14="http://schemas.microsoft.com/office/drawing/2010/main" w="9525">
+              <a14:hiddenLine xmlns:a14="http://schemas.microsoft.com/office/drawing/2010/main" xmlns="" w="9525">
                 <a:solidFill>
                   <a:schemeClr val="tx1"/>
                 </a:solidFill>
@@ -4392,7 +4392,7 @@
               </a14:hiddenLine>
             </a:ext>
             <a:ext uri="{AF507438-7753-43E0-B8FC-AC1667EBCBE1}">
-              <a14:hiddenEffects xmlns="" xmlns:a14="http://schemas.microsoft.com/office/drawing/2010/main">
+              <a14:hiddenEffects xmlns:a14="http://schemas.microsoft.com/office/drawing/2010/main" xmlns="">
                 <a:effectLst>
                   <a:outerShdw dist="35921" dir="2700000" algn="ctr" rotWithShape="0">
                     <a:schemeClr val="bg2"/>
@@ -4415,7 +4415,7 @@
           <a:blip r:embed="rId28" cstate="email">
             <a:extLst>
               <a:ext uri="{28A0092B-C50C-407E-A947-70E740481C1C}">
-                <a14:useLocalDpi xmlns="" xmlns:a14="http://schemas.microsoft.com/office/drawing/2010/main"/>
+                <a14:useLocalDpi xmlns:a14="http://schemas.microsoft.com/office/drawing/2010/main" xmlns=""/>
               </a:ext>
             </a:extLst>
           </a:blip>
@@ -4439,14 +4439,14 @@
           <a:effectLst/>
           <a:extLst>
             <a:ext uri="{909E8E84-426E-40DD-AFC4-6F175D3DCCD1}">
-              <a14:hiddenFill xmlns="" xmlns:a14="http://schemas.microsoft.com/office/drawing/2010/main">
+              <a14:hiddenFill xmlns:a14="http://schemas.microsoft.com/office/drawing/2010/main" xmlns="">
                 <a:solidFill>
                   <a:schemeClr val="accent1"/>
                 </a:solidFill>
               </a14:hiddenFill>
             </a:ext>
             <a:ext uri="{91240B29-F687-4F45-9708-019B960494DF}">
-              <a14:hiddenLine xmlns="" xmlns:a14="http://schemas.microsoft.com/office/drawing/2010/main" w="9525">
+              <a14:hiddenLine xmlns:a14="http://schemas.microsoft.com/office/drawing/2010/main" xmlns="" w="9525">
                 <a:solidFill>
                   <a:schemeClr val="tx1"/>
                 </a:solidFill>
@@ -4456,7 +4456,7 @@
               </a14:hiddenLine>
             </a:ext>
             <a:ext uri="{AF507438-7753-43E0-B8FC-AC1667EBCBE1}">
-              <a14:hiddenEffects xmlns="" xmlns:a14="http://schemas.microsoft.com/office/drawing/2010/main">
+              <a14:hiddenEffects xmlns:a14="http://schemas.microsoft.com/office/drawing/2010/main" xmlns="">
                 <a:effectLst>
                   <a:outerShdw dist="35921" dir="2700000" algn="ctr" rotWithShape="0">
                     <a:schemeClr val="bg2"/>
@@ -4479,7 +4479,7 @@
           <a:blip r:embed="rId29">
             <a:extLst>
               <a:ext uri="{BEBA8EAE-BF5A-486C-A8C5-ECC9F3942E4B}">
-                <a14:imgProps xmlns="" xmlns:a14="http://schemas.microsoft.com/office/drawing/2010/main">
+                <a14:imgProps xmlns:a14="http://schemas.microsoft.com/office/drawing/2010/main" xmlns="">
                   <a14:imgLayer r:embed="rId30">
                     <a14:imgEffect>
                       <a14:brightnessContrast bright="20000"/>
@@ -4488,7 +4488,7 @@
                 </a14:imgProps>
               </a:ext>
               <a:ext uri="{28A0092B-C50C-407E-A947-70E740481C1C}">
-                <a14:useLocalDpi xmlns="" xmlns:a14="http://schemas.microsoft.com/office/drawing/2010/main" val="0"/>
+                <a14:useLocalDpi xmlns:a14="http://schemas.microsoft.com/office/drawing/2010/main" xmlns="" val="0"/>
               </a:ext>
             </a:extLst>
           </a:blip>
@@ -4516,7 +4516,7 @@
           </a:effectLst>
           <a:extLst>
             <a:ext uri="{909E8E84-426E-40DD-AFC4-6F175D3DCCD1}">
-              <a14:hiddenFill xmlns="" xmlns:a14="http://schemas.microsoft.com/office/drawing/2010/main">
+              <a14:hiddenFill xmlns:a14="http://schemas.microsoft.com/office/drawing/2010/main" xmlns="">
                 <a:solidFill>
                   <a:srgbClr val="FFFFFF"/>
                 </a:solidFill>
@@ -5432,7 +5432,7 @@
           <a:blip r:embed="rId3" cstate="screen">
             <a:extLst>
               <a:ext uri="{28A0092B-C50C-407E-A947-70E740481C1C}">
-                <a14:useLocalDpi xmlns="" xmlns:a14="http://schemas.microsoft.com/office/drawing/2010/main"/>
+                <a14:useLocalDpi xmlns:a14="http://schemas.microsoft.com/office/drawing/2010/main" xmlns=""/>
               </a:ext>
             </a:extLst>
           </a:blip>
@@ -5456,14 +5456,14 @@
           <a:effectLst/>
           <a:extLst>
             <a:ext uri="{909E8E84-426E-40DD-AFC4-6F175D3DCCD1}">
-              <a14:hiddenFill xmlns="" xmlns:a14="http://schemas.microsoft.com/office/drawing/2010/main">
+              <a14:hiddenFill xmlns:a14="http://schemas.microsoft.com/office/drawing/2010/main" xmlns="">
                 <a:solidFill>
                   <a:schemeClr val="accent1"/>
                 </a:solidFill>
               </a14:hiddenFill>
             </a:ext>
             <a:ext uri="{91240B29-F687-4F45-9708-019B960494DF}">
-              <a14:hiddenLine xmlns="" xmlns:a14="http://schemas.microsoft.com/office/drawing/2010/main" w="9525">
+              <a14:hiddenLine xmlns:a14="http://schemas.microsoft.com/office/drawing/2010/main" xmlns="" w="9525">
                 <a:solidFill>
                   <a:schemeClr val="tx1"/>
                 </a:solidFill>
@@ -5473,7 +5473,7 @@
               </a14:hiddenLine>
             </a:ext>
             <a:ext uri="{AF507438-7753-43E0-B8FC-AC1667EBCBE1}">
-              <a14:hiddenEffects xmlns="" xmlns:a14="http://schemas.microsoft.com/office/drawing/2010/main">
+              <a14:hiddenEffects xmlns:a14="http://schemas.microsoft.com/office/drawing/2010/main" xmlns="">
                 <a:effectLst>
                   <a:outerShdw dist="35921" dir="2700000" algn="ctr" rotWithShape="0">
                     <a:schemeClr val="bg2"/>
@@ -5487,7 +5487,7 @@
     </p:spTree>
     <p:extLst>
       <p:ext uri="{BB962C8B-B14F-4D97-AF65-F5344CB8AC3E}">
-        <p14:creationId xmlns="" xmlns:p14="http://schemas.microsoft.com/office/powerpoint/2010/main" val="2206121840"/>
+        <p14:creationId xmlns:p14="http://schemas.microsoft.com/office/powerpoint/2010/main" xmlns="" val="2206121840"/>
       </p:ext>
     </p:extLst>
   </p:cSld>
@@ -5526,7 +5526,7 @@
           <a:blip r:embed="rId2" cstate="print">
             <a:extLst>
               <a:ext uri="{28A0092B-C50C-407E-A947-70E740481C1C}">
-                <a14:useLocalDpi xmlns="" xmlns:a14="http://schemas.microsoft.com/office/drawing/2010/main"/>
+                <a14:useLocalDpi xmlns:a14="http://schemas.microsoft.com/office/drawing/2010/main" xmlns=""/>
               </a:ext>
             </a:extLst>
           </a:blip>
@@ -5557,14 +5557,14 @@
           <a:effectLst/>
           <a:extLst>
             <a:ext uri="{909E8E84-426E-40DD-AFC4-6F175D3DCCD1}">
-              <a14:hiddenFill xmlns="" xmlns:a14="http://schemas.microsoft.com/office/drawing/2010/main">
+              <a14:hiddenFill xmlns:a14="http://schemas.microsoft.com/office/drawing/2010/main" xmlns="">
                 <a:solidFill>
                   <a:schemeClr val="accent1"/>
                 </a:solidFill>
               </a14:hiddenFill>
             </a:ext>
             <a:ext uri="{AF507438-7753-43E0-B8FC-AC1667EBCBE1}">
-              <a14:hiddenEffects xmlns="" xmlns:a14="http://schemas.microsoft.com/office/drawing/2010/main">
+              <a14:hiddenEffects xmlns:a14="http://schemas.microsoft.com/office/drawing/2010/main" xmlns="">
                 <a:effectLst>
                   <a:outerShdw dist="35921" dir="2700000" algn="ctr" rotWithShape="0">
                     <a:schemeClr val="bg2"/>
@@ -5855,7 +5855,7 @@
     </p:spTree>
     <p:extLst>
       <p:ext uri="{BB962C8B-B14F-4D97-AF65-F5344CB8AC3E}">
-        <p14:creationId xmlns="" xmlns:p14="http://schemas.microsoft.com/office/powerpoint/2010/main" val="2413646036"/>
+        <p14:creationId xmlns:p14="http://schemas.microsoft.com/office/powerpoint/2010/main" xmlns="" val="2413646036"/>
       </p:ext>
     </p:extLst>
   </p:cSld>
@@ -5943,7 +5943,7 @@
           <a:blip r:embed="rId2" cstate="print">
             <a:extLst>
               <a:ext uri="{28A0092B-C50C-407E-A947-70E740481C1C}">
-                <a14:useLocalDpi xmlns="" xmlns:a14="http://schemas.microsoft.com/office/drawing/2010/main"/>
+                <a14:useLocalDpi xmlns:a14="http://schemas.microsoft.com/office/drawing/2010/main" xmlns=""/>
               </a:ext>
             </a:extLst>
           </a:blip>
@@ -5974,7 +5974,7 @@
     </p:spTree>
     <p:extLst>
       <p:ext uri="{BB962C8B-B14F-4D97-AF65-F5344CB8AC3E}">
-        <p14:creationId xmlns="" xmlns:p14="http://schemas.microsoft.com/office/powerpoint/2010/main" val="2901693068"/>
+        <p14:creationId xmlns:p14="http://schemas.microsoft.com/office/powerpoint/2010/main" xmlns="" val="2901693068"/>
       </p:ext>
     </p:extLst>
   </p:cSld>
@@ -6067,7 +6067,7 @@
           <a:blip r:embed="rId2">
             <a:extLst>
               <a:ext uri="{28A0092B-C50C-407E-A947-70E740481C1C}">
-                <a14:useLocalDpi xmlns="" xmlns:a14="http://schemas.microsoft.com/office/drawing/2010/main"/>
+                <a14:useLocalDpi xmlns:a14="http://schemas.microsoft.com/office/drawing/2010/main" xmlns=""/>
               </a:ext>
             </a:extLst>
           </a:blip>
@@ -6091,14 +6091,14 @@
           <a:effectLst/>
           <a:extLst>
             <a:ext uri="{909E8E84-426E-40DD-AFC4-6F175D3DCCD1}">
-              <a14:hiddenFill xmlns="" xmlns:a14="http://schemas.microsoft.com/office/drawing/2010/main">
+              <a14:hiddenFill xmlns:a14="http://schemas.microsoft.com/office/drawing/2010/main" xmlns="">
                 <a:solidFill>
                   <a:schemeClr val="accent1"/>
                 </a:solidFill>
               </a14:hiddenFill>
             </a:ext>
             <a:ext uri="{91240B29-F687-4F45-9708-019B960494DF}">
-              <a14:hiddenLine xmlns="" xmlns:a14="http://schemas.microsoft.com/office/drawing/2010/main" w="9525">
+              <a14:hiddenLine xmlns:a14="http://schemas.microsoft.com/office/drawing/2010/main" xmlns="" w="9525">
                 <a:solidFill>
                   <a:schemeClr val="tx1"/>
                 </a:solidFill>
@@ -6108,7 +6108,7 @@
               </a14:hiddenLine>
             </a:ext>
             <a:ext uri="{AF507438-7753-43E0-B8FC-AC1667EBCBE1}">
-              <a14:hiddenEffects xmlns="" xmlns:a14="http://schemas.microsoft.com/office/drawing/2010/main">
+              <a14:hiddenEffects xmlns:a14="http://schemas.microsoft.com/office/drawing/2010/main" xmlns="">
                 <a:effectLst>
                   <a:outerShdw dist="35921" dir="2700000" algn="ctr" rotWithShape="0">
                     <a:schemeClr val="bg2"/>
@@ -6122,7 +6122,7 @@
     </p:spTree>
     <p:extLst>
       <p:ext uri="{BB962C8B-B14F-4D97-AF65-F5344CB8AC3E}">
-        <p14:creationId xmlns="" xmlns:p14="http://schemas.microsoft.com/office/powerpoint/2010/main" val="750520273"/>
+        <p14:creationId xmlns:p14="http://schemas.microsoft.com/office/powerpoint/2010/main" xmlns="" val="750520273"/>
       </p:ext>
     </p:extLst>
   </p:cSld>
@@ -6161,7 +6161,7 @@
           <a:blip r:embed="rId2" cstate="print">
             <a:extLst>
               <a:ext uri="{28A0092B-C50C-407E-A947-70E740481C1C}">
-                <a14:useLocalDpi xmlns="" xmlns:a14="http://schemas.microsoft.com/office/drawing/2010/main"/>
+                <a14:useLocalDpi xmlns:a14="http://schemas.microsoft.com/office/drawing/2010/main" xmlns=""/>
               </a:ext>
             </a:extLst>
           </a:blip>
@@ -6172,8 +6172,8 @@
         </p:blipFill>
         <p:spPr bwMode="auto">
           <a:xfrm>
-            <a:off x="809514" y="2209800"/>
-            <a:ext cx="7572486" cy="4023665"/>
+            <a:off x="685800" y="2133600"/>
+            <a:ext cx="7772400" cy="4129890"/>
           </a:xfrm>
           <a:prstGeom prst="roundRect">
             <a:avLst>
@@ -6194,14 +6194,14 @@
           <a:effectLst/>
           <a:extLst>
             <a:ext uri="{909E8E84-426E-40DD-AFC4-6F175D3DCCD1}">
-              <a14:hiddenFill xmlns="" xmlns:a14="http://schemas.microsoft.com/office/drawing/2010/main">
+              <a14:hiddenFill xmlns:a14="http://schemas.microsoft.com/office/drawing/2010/main" xmlns="">
                 <a:solidFill>
                   <a:schemeClr val="accent1"/>
                 </a:solidFill>
               </a14:hiddenFill>
             </a:ext>
             <a:ext uri="{AF507438-7753-43E0-B8FC-AC1667EBCBE1}">
-              <a14:hiddenEffects xmlns="" xmlns:a14="http://schemas.microsoft.com/office/drawing/2010/main">
+              <a14:hiddenEffects xmlns:a14="http://schemas.microsoft.com/office/drawing/2010/main" xmlns="">
                 <a:effectLst>
                   <a:outerShdw dist="35921" dir="2700000" algn="ctr" rotWithShape="0">
                     <a:schemeClr val="bg2"/>
@@ -6506,7 +6506,7 @@
     </p:spTree>
     <p:extLst>
       <p:ext uri="{BB962C8B-B14F-4D97-AF65-F5344CB8AC3E}">
-        <p14:creationId xmlns="" xmlns:p14="http://schemas.microsoft.com/office/powerpoint/2010/main" val="171882235"/>
+        <p14:creationId xmlns:p14="http://schemas.microsoft.com/office/powerpoint/2010/main" xmlns="" val="171882235"/>
       </p:ext>
     </p:extLst>
   </p:cSld>

--- a/Web Design/CSS/3. Layout/Layout.pptx
+++ b/Web Design/CSS/3. Layout/Layout.pptx
@@ -110,7 +110,7 @@
   </p:defaultTextStyle>
   <p:extLst>
     <p:ext uri="{EFAFB233-063F-42B5-8137-9DF3F51BA10A}">
-      <p15:sldGuideLst xmlns:p15="http://schemas.microsoft.com/office/powerpoint/2012/main" xmlns="">
+      <p15:sldGuideLst xmlns="" xmlns:p15="http://schemas.microsoft.com/office/powerpoint/2012/main">
         <p15:guide id="1" orient="horz" pos="2160">
           <p15:clr>
             <a:srgbClr val="A4A3A4"/>
@@ -1442,7 +1442,7 @@
     </p:spTree>
     <p:extLst>
       <p:ext uri="{BB962C8B-B14F-4D97-AF65-F5344CB8AC3E}">
-        <p14:creationId xmlns:p14="http://schemas.microsoft.com/office/powerpoint/2010/main" xmlns="" val="3141685506"/>
+        <p14:creationId xmlns="" xmlns:p14="http://schemas.microsoft.com/office/powerpoint/2010/main" val="3141685506"/>
       </p:ext>
     </p:extLst>
   </p:cSld>
@@ -4310,7 +4310,7 @@
           <a:blip r:embed="rId26">
             <a:extLst>
               <a:ext uri="{28A0092B-C50C-407E-A947-70E740481C1C}">
-                <a14:useLocalDpi xmlns:a14="http://schemas.microsoft.com/office/drawing/2010/main" xmlns="" val="0"/>
+                <a14:useLocalDpi xmlns="" xmlns:a14="http://schemas.microsoft.com/office/drawing/2010/main" val="0"/>
               </a:ext>
             </a:extLst>
           </a:blip>
@@ -4330,7 +4330,7 @@
           <a:noFill/>
           <a:extLst>
             <a:ext uri="{909E8E84-426E-40DD-AFC4-6F175D3DCCD1}">
-              <a14:hiddenFill xmlns:a14="http://schemas.microsoft.com/office/drawing/2010/main" xmlns="">
+              <a14:hiddenFill xmlns="" xmlns:a14="http://schemas.microsoft.com/office/drawing/2010/main">
                 <a:solidFill>
                   <a:srgbClr val="FFFFFF"/>
                 </a:solidFill>
@@ -4351,7 +4351,7 @@
           <a:blip r:embed="rId27" cstate="email">
             <a:extLst>
               <a:ext uri="{28A0092B-C50C-407E-A947-70E740481C1C}">
-                <a14:useLocalDpi xmlns:a14="http://schemas.microsoft.com/office/drawing/2010/main" xmlns=""/>
+                <a14:useLocalDpi xmlns="" xmlns:a14="http://schemas.microsoft.com/office/drawing/2010/main"/>
               </a:ext>
             </a:extLst>
           </a:blip>
@@ -4375,14 +4375,14 @@
           <a:effectLst/>
           <a:extLst>
             <a:ext uri="{909E8E84-426E-40DD-AFC4-6F175D3DCCD1}">
-              <a14:hiddenFill xmlns:a14="http://schemas.microsoft.com/office/drawing/2010/main" xmlns="">
+              <a14:hiddenFill xmlns="" xmlns:a14="http://schemas.microsoft.com/office/drawing/2010/main">
                 <a:solidFill>
                   <a:schemeClr val="accent1"/>
                 </a:solidFill>
               </a14:hiddenFill>
             </a:ext>
             <a:ext uri="{91240B29-F687-4F45-9708-019B960494DF}">
-              <a14:hiddenLine xmlns:a14="http://schemas.microsoft.com/office/drawing/2010/main" xmlns="" w="9525">
+              <a14:hiddenLine xmlns="" xmlns:a14="http://schemas.microsoft.com/office/drawing/2010/main" w="9525">
                 <a:solidFill>
                   <a:schemeClr val="tx1"/>
                 </a:solidFill>
@@ -4392,7 +4392,7 @@
               </a14:hiddenLine>
             </a:ext>
             <a:ext uri="{AF507438-7753-43E0-B8FC-AC1667EBCBE1}">
-              <a14:hiddenEffects xmlns:a14="http://schemas.microsoft.com/office/drawing/2010/main" xmlns="">
+              <a14:hiddenEffects xmlns="" xmlns:a14="http://schemas.microsoft.com/office/drawing/2010/main">
                 <a:effectLst>
                   <a:outerShdw dist="35921" dir="2700000" algn="ctr" rotWithShape="0">
                     <a:schemeClr val="bg2"/>
@@ -4415,7 +4415,7 @@
           <a:blip r:embed="rId28" cstate="email">
             <a:extLst>
               <a:ext uri="{28A0092B-C50C-407E-A947-70E740481C1C}">
-                <a14:useLocalDpi xmlns:a14="http://schemas.microsoft.com/office/drawing/2010/main" xmlns=""/>
+                <a14:useLocalDpi xmlns="" xmlns:a14="http://schemas.microsoft.com/office/drawing/2010/main"/>
               </a:ext>
             </a:extLst>
           </a:blip>
@@ -4439,14 +4439,14 @@
           <a:effectLst/>
           <a:extLst>
             <a:ext uri="{909E8E84-426E-40DD-AFC4-6F175D3DCCD1}">
-              <a14:hiddenFill xmlns:a14="http://schemas.microsoft.com/office/drawing/2010/main" xmlns="">
+              <a14:hiddenFill xmlns="" xmlns:a14="http://schemas.microsoft.com/office/drawing/2010/main">
                 <a:solidFill>
                   <a:schemeClr val="accent1"/>
                 </a:solidFill>
               </a14:hiddenFill>
             </a:ext>
             <a:ext uri="{91240B29-F687-4F45-9708-019B960494DF}">
-              <a14:hiddenLine xmlns:a14="http://schemas.microsoft.com/office/drawing/2010/main" xmlns="" w="9525">
+              <a14:hiddenLine xmlns="" xmlns:a14="http://schemas.microsoft.com/office/drawing/2010/main" w="9525">
                 <a:solidFill>
                   <a:schemeClr val="tx1"/>
                 </a:solidFill>
@@ -4456,7 +4456,7 @@
               </a14:hiddenLine>
             </a:ext>
             <a:ext uri="{AF507438-7753-43E0-B8FC-AC1667EBCBE1}">
-              <a14:hiddenEffects xmlns:a14="http://schemas.microsoft.com/office/drawing/2010/main" xmlns="">
+              <a14:hiddenEffects xmlns="" xmlns:a14="http://schemas.microsoft.com/office/drawing/2010/main">
                 <a:effectLst>
                   <a:outerShdw dist="35921" dir="2700000" algn="ctr" rotWithShape="0">
                     <a:schemeClr val="bg2"/>
@@ -4479,7 +4479,7 @@
           <a:blip r:embed="rId29">
             <a:extLst>
               <a:ext uri="{BEBA8EAE-BF5A-486C-A8C5-ECC9F3942E4B}">
-                <a14:imgProps xmlns:a14="http://schemas.microsoft.com/office/drawing/2010/main" xmlns="">
+                <a14:imgProps xmlns="" xmlns:a14="http://schemas.microsoft.com/office/drawing/2010/main">
                   <a14:imgLayer r:embed="rId30">
                     <a14:imgEffect>
                       <a14:brightnessContrast bright="20000"/>
@@ -4488,7 +4488,7 @@
                 </a14:imgProps>
               </a:ext>
               <a:ext uri="{28A0092B-C50C-407E-A947-70E740481C1C}">
-                <a14:useLocalDpi xmlns:a14="http://schemas.microsoft.com/office/drawing/2010/main" xmlns="" val="0"/>
+                <a14:useLocalDpi xmlns="" xmlns:a14="http://schemas.microsoft.com/office/drawing/2010/main" val="0"/>
               </a:ext>
             </a:extLst>
           </a:blip>
@@ -4516,7 +4516,7 @@
           </a:effectLst>
           <a:extLst>
             <a:ext uri="{909E8E84-426E-40DD-AFC4-6F175D3DCCD1}">
-              <a14:hiddenFill xmlns:a14="http://schemas.microsoft.com/office/drawing/2010/main" xmlns="">
+              <a14:hiddenFill xmlns="" xmlns:a14="http://schemas.microsoft.com/office/drawing/2010/main">
                 <a:solidFill>
                   <a:srgbClr val="FFFFFF"/>
                 </a:solidFill>
@@ -5407,8 +5407,74 @@
                   </a:schemeClr>
                 </a:solidFill>
               </a:rPr>
-              <a:t>Create the following Web page using external CSS styles. Buttons should consist of PNG images with text over them.</a:t>
+              <a:t>Create the following Web page using external CSS styles. Buttons should consist of PNG images with text over them</a:t>
             </a:r>
+            <a:r>
+              <a:rPr lang="en-US" sz="2600" dirty="0" smtClean="0">
+                <a:solidFill>
+                  <a:schemeClr val="tx1">
+                    <a:lumMod val="40000"/>
+                    <a:lumOff val="60000"/>
+                  </a:schemeClr>
+                </a:solidFill>
+              </a:rPr>
+              <a:t>.</a:t>
+            </a:r>
+          </a:p>
+          <a:p>
+            <a:pPr marL="514350" indent="-514350">
+              <a:buNone/>
+              <a:tabLst/>
+            </a:pPr>
+            <a:r>
+              <a:rPr lang="en-US" sz="2600" dirty="0" smtClean="0">
+                <a:solidFill>
+                  <a:schemeClr val="tx1">
+                    <a:lumMod val="40000"/>
+                    <a:lumOff val="60000"/>
+                  </a:schemeClr>
+                </a:solidFill>
+              </a:rPr>
+              <a:t>	</a:t>
+            </a:r>
+            <a:r>
+              <a:rPr lang="en-US" sz="2600" dirty="0" smtClean="0">
+                <a:solidFill>
+                  <a:schemeClr val="tx1">
+                    <a:lumMod val="40000"/>
+                    <a:lumOff val="60000"/>
+                  </a:schemeClr>
+                </a:solidFill>
+                <a:hlinkClick r:id="rId3"/>
+              </a:rPr>
+              <a:t>http://www.student.ltd.uk</a:t>
+            </a:r>
+            <a:r>
+              <a:rPr lang="en-US" sz="2600" dirty="0" smtClean="0">
+                <a:solidFill>
+                  <a:schemeClr val="tx1">
+                    <a:lumMod val="40000"/>
+                    <a:lumOff val="60000"/>
+                  </a:schemeClr>
+                </a:solidFill>
+                <a:hlinkClick r:id="rId3"/>
+              </a:rPr>
+              <a:t>/</a:t>
+            </a:r>
+            <a:endParaRPr lang="en-US" sz="2600" dirty="0" smtClean="0">
+              <a:solidFill>
+                <a:schemeClr val="tx1">
+                  <a:lumMod val="40000"/>
+                  <a:lumOff val="60000"/>
+                </a:schemeClr>
+              </a:solidFill>
+            </a:endParaRPr>
+          </a:p>
+          <a:p>
+            <a:pPr marL="514350" indent="-514350">
+              <a:buNone/>
+              <a:tabLst/>
+            </a:pPr>
             <a:endParaRPr lang="en-US" sz="2600" dirty="0">
               <a:solidFill>
                 <a:schemeClr val="tx1">
@@ -5429,10 +5495,10 @@
           <p:nvPr/>
         </p:nvPicPr>
         <p:blipFill rotWithShape="1">
-          <a:blip r:embed="rId3" cstate="screen">
+          <a:blip r:embed="rId4" cstate="screen">
             <a:extLst>
               <a:ext uri="{28A0092B-C50C-407E-A947-70E740481C1C}">
-                <a14:useLocalDpi xmlns:a14="http://schemas.microsoft.com/office/drawing/2010/main" xmlns=""/>
+                <a14:useLocalDpi xmlns="" xmlns:a14="http://schemas.microsoft.com/office/drawing/2010/main"/>
               </a:ext>
             </a:extLst>
           </a:blip>
@@ -5456,14 +5522,14 @@
           <a:effectLst/>
           <a:extLst>
             <a:ext uri="{909E8E84-426E-40DD-AFC4-6F175D3DCCD1}">
-              <a14:hiddenFill xmlns:a14="http://schemas.microsoft.com/office/drawing/2010/main" xmlns="">
+              <a14:hiddenFill xmlns="" xmlns:a14="http://schemas.microsoft.com/office/drawing/2010/main">
                 <a:solidFill>
                   <a:schemeClr val="accent1"/>
                 </a:solidFill>
               </a14:hiddenFill>
             </a:ext>
             <a:ext uri="{91240B29-F687-4F45-9708-019B960494DF}">
-              <a14:hiddenLine xmlns:a14="http://schemas.microsoft.com/office/drawing/2010/main" xmlns="" w="9525">
+              <a14:hiddenLine xmlns="" xmlns:a14="http://schemas.microsoft.com/office/drawing/2010/main" w="9525">
                 <a:solidFill>
                   <a:schemeClr val="tx1"/>
                 </a:solidFill>
@@ -5473,7 +5539,7 @@
               </a14:hiddenLine>
             </a:ext>
             <a:ext uri="{AF507438-7753-43E0-B8FC-AC1667EBCBE1}">
-              <a14:hiddenEffects xmlns:a14="http://schemas.microsoft.com/office/drawing/2010/main" xmlns="">
+              <a14:hiddenEffects xmlns="" xmlns:a14="http://schemas.microsoft.com/office/drawing/2010/main">
                 <a:effectLst>
                   <a:outerShdw dist="35921" dir="2700000" algn="ctr" rotWithShape="0">
                     <a:schemeClr val="bg2"/>
@@ -5487,7 +5553,7 @@
     </p:spTree>
     <p:extLst>
       <p:ext uri="{BB962C8B-B14F-4D97-AF65-F5344CB8AC3E}">
-        <p14:creationId xmlns:p14="http://schemas.microsoft.com/office/powerpoint/2010/main" xmlns="" val="2206121840"/>
+        <p14:creationId xmlns="" xmlns:p14="http://schemas.microsoft.com/office/powerpoint/2010/main" val="2206121840"/>
       </p:ext>
     </p:extLst>
   </p:cSld>
@@ -5526,7 +5592,7 @@
           <a:blip r:embed="rId2" cstate="print">
             <a:extLst>
               <a:ext uri="{28A0092B-C50C-407E-A947-70E740481C1C}">
-                <a14:useLocalDpi xmlns:a14="http://schemas.microsoft.com/office/drawing/2010/main" xmlns=""/>
+                <a14:useLocalDpi xmlns="" xmlns:a14="http://schemas.microsoft.com/office/drawing/2010/main"/>
               </a:ext>
             </a:extLst>
           </a:blip>
@@ -5557,14 +5623,14 @@
           <a:effectLst/>
           <a:extLst>
             <a:ext uri="{909E8E84-426E-40DD-AFC4-6F175D3DCCD1}">
-              <a14:hiddenFill xmlns:a14="http://schemas.microsoft.com/office/drawing/2010/main" xmlns="">
+              <a14:hiddenFill xmlns="" xmlns:a14="http://schemas.microsoft.com/office/drawing/2010/main">
                 <a:solidFill>
                   <a:schemeClr val="accent1"/>
                 </a:solidFill>
               </a14:hiddenFill>
             </a:ext>
             <a:ext uri="{AF507438-7753-43E0-B8FC-AC1667EBCBE1}">
-              <a14:hiddenEffects xmlns:a14="http://schemas.microsoft.com/office/drawing/2010/main" xmlns="">
+              <a14:hiddenEffects xmlns="" xmlns:a14="http://schemas.microsoft.com/office/drawing/2010/main">
                 <a:effectLst>
                   <a:outerShdw dist="35921" dir="2700000" algn="ctr" rotWithShape="0">
                     <a:schemeClr val="bg2"/>
@@ -5855,7 +5921,7 @@
     </p:spTree>
     <p:extLst>
       <p:ext uri="{BB962C8B-B14F-4D97-AF65-F5344CB8AC3E}">
-        <p14:creationId xmlns:p14="http://schemas.microsoft.com/office/powerpoint/2010/main" xmlns="" val="2413646036"/>
+        <p14:creationId xmlns="" xmlns:p14="http://schemas.microsoft.com/office/powerpoint/2010/main" val="2413646036"/>
       </p:ext>
     </p:extLst>
   </p:cSld>
@@ -5943,7 +6009,7 @@
           <a:blip r:embed="rId2" cstate="print">
             <a:extLst>
               <a:ext uri="{28A0092B-C50C-407E-A947-70E740481C1C}">
-                <a14:useLocalDpi xmlns:a14="http://schemas.microsoft.com/office/drawing/2010/main" xmlns=""/>
+                <a14:useLocalDpi xmlns="" xmlns:a14="http://schemas.microsoft.com/office/drawing/2010/main"/>
               </a:ext>
             </a:extLst>
           </a:blip>
@@ -5974,7 +6040,7 @@
     </p:spTree>
     <p:extLst>
       <p:ext uri="{BB962C8B-B14F-4D97-AF65-F5344CB8AC3E}">
-        <p14:creationId xmlns:p14="http://schemas.microsoft.com/office/powerpoint/2010/main" xmlns="" val="2901693068"/>
+        <p14:creationId xmlns="" xmlns:p14="http://schemas.microsoft.com/office/powerpoint/2010/main" val="2901693068"/>
       </p:ext>
     </p:extLst>
   </p:cSld>
@@ -6067,7 +6133,7 @@
           <a:blip r:embed="rId2">
             <a:extLst>
               <a:ext uri="{28A0092B-C50C-407E-A947-70E740481C1C}">
-                <a14:useLocalDpi xmlns:a14="http://schemas.microsoft.com/office/drawing/2010/main" xmlns=""/>
+                <a14:useLocalDpi xmlns="" xmlns:a14="http://schemas.microsoft.com/office/drawing/2010/main"/>
               </a:ext>
             </a:extLst>
           </a:blip>
@@ -6091,14 +6157,14 @@
           <a:effectLst/>
           <a:extLst>
             <a:ext uri="{909E8E84-426E-40DD-AFC4-6F175D3DCCD1}">
-              <a14:hiddenFill xmlns:a14="http://schemas.microsoft.com/office/drawing/2010/main" xmlns="">
+              <a14:hiddenFill xmlns="" xmlns:a14="http://schemas.microsoft.com/office/drawing/2010/main">
                 <a:solidFill>
                   <a:schemeClr val="accent1"/>
                 </a:solidFill>
               </a14:hiddenFill>
             </a:ext>
             <a:ext uri="{91240B29-F687-4F45-9708-019B960494DF}">
-              <a14:hiddenLine xmlns:a14="http://schemas.microsoft.com/office/drawing/2010/main" xmlns="" w="9525">
+              <a14:hiddenLine xmlns="" xmlns:a14="http://schemas.microsoft.com/office/drawing/2010/main" w="9525">
                 <a:solidFill>
                   <a:schemeClr val="tx1"/>
                 </a:solidFill>
@@ -6108,7 +6174,7 @@
               </a14:hiddenLine>
             </a:ext>
             <a:ext uri="{AF507438-7753-43E0-B8FC-AC1667EBCBE1}">
-              <a14:hiddenEffects xmlns:a14="http://schemas.microsoft.com/office/drawing/2010/main" xmlns="">
+              <a14:hiddenEffects xmlns="" xmlns:a14="http://schemas.microsoft.com/office/drawing/2010/main">
                 <a:effectLst>
                   <a:outerShdw dist="35921" dir="2700000" algn="ctr" rotWithShape="0">
                     <a:schemeClr val="bg2"/>
@@ -6122,7 +6188,7 @@
     </p:spTree>
     <p:extLst>
       <p:ext uri="{BB962C8B-B14F-4D97-AF65-F5344CB8AC3E}">
-        <p14:creationId xmlns:p14="http://schemas.microsoft.com/office/powerpoint/2010/main" xmlns="" val="750520273"/>
+        <p14:creationId xmlns="" xmlns:p14="http://schemas.microsoft.com/office/powerpoint/2010/main" val="750520273"/>
       </p:ext>
     </p:extLst>
   </p:cSld>
@@ -6161,7 +6227,7 @@
           <a:blip r:embed="rId2" cstate="print">
             <a:extLst>
               <a:ext uri="{28A0092B-C50C-407E-A947-70E740481C1C}">
-                <a14:useLocalDpi xmlns:a14="http://schemas.microsoft.com/office/drawing/2010/main" xmlns=""/>
+                <a14:useLocalDpi xmlns="" xmlns:a14="http://schemas.microsoft.com/office/drawing/2010/main"/>
               </a:ext>
             </a:extLst>
           </a:blip>
@@ -6194,14 +6260,14 @@
           <a:effectLst/>
           <a:extLst>
             <a:ext uri="{909E8E84-426E-40DD-AFC4-6F175D3DCCD1}">
-              <a14:hiddenFill xmlns:a14="http://schemas.microsoft.com/office/drawing/2010/main" xmlns="">
+              <a14:hiddenFill xmlns="" xmlns:a14="http://schemas.microsoft.com/office/drawing/2010/main">
                 <a:solidFill>
                   <a:schemeClr val="accent1"/>
                 </a:solidFill>
               </a14:hiddenFill>
             </a:ext>
             <a:ext uri="{AF507438-7753-43E0-B8FC-AC1667EBCBE1}">
-              <a14:hiddenEffects xmlns:a14="http://schemas.microsoft.com/office/drawing/2010/main" xmlns="">
+              <a14:hiddenEffects xmlns="" xmlns:a14="http://schemas.microsoft.com/office/drawing/2010/main">
                 <a:effectLst>
                   <a:outerShdw dist="35921" dir="2700000" algn="ctr" rotWithShape="0">
                     <a:schemeClr val="bg2"/>
@@ -6506,7 +6572,7 @@
     </p:spTree>
     <p:extLst>
       <p:ext uri="{BB962C8B-B14F-4D97-AF65-F5344CB8AC3E}">
-        <p14:creationId xmlns:p14="http://schemas.microsoft.com/office/powerpoint/2010/main" xmlns="" val="171882235"/>
+        <p14:creationId xmlns="" xmlns:p14="http://schemas.microsoft.com/office/powerpoint/2010/main" val="171882235"/>
       </p:ext>
     </p:extLst>
   </p:cSld>

--- a/Web Design/CSS/3. Layout/Layout.pptx
+++ b/Web Design/CSS/3. Layout/Layout.pptx
@@ -110,7 +110,7 @@
   </p:defaultTextStyle>
   <p:extLst>
     <p:ext uri="{EFAFB233-063F-42B5-8137-9DF3F51BA10A}">
-      <p15:sldGuideLst xmlns="" xmlns:p15="http://schemas.microsoft.com/office/powerpoint/2012/main">
+      <p15:sldGuideLst xmlns:p15="http://schemas.microsoft.com/office/powerpoint/2012/main" xmlns="">
         <p15:guide id="1" orient="horz" pos="2160">
           <p15:clr>
             <a:srgbClr val="A4A3A4"/>
@@ -1442,7 +1442,7 @@
     </p:spTree>
     <p:extLst>
       <p:ext uri="{BB962C8B-B14F-4D97-AF65-F5344CB8AC3E}">
-        <p14:creationId xmlns="" xmlns:p14="http://schemas.microsoft.com/office/powerpoint/2010/main" val="3141685506"/>
+        <p14:creationId xmlns:p14="http://schemas.microsoft.com/office/powerpoint/2010/main" xmlns="" val="3141685506"/>
       </p:ext>
     </p:extLst>
   </p:cSld>
@@ -4310,7 +4310,7 @@
           <a:blip r:embed="rId26">
             <a:extLst>
               <a:ext uri="{28A0092B-C50C-407E-A947-70E740481C1C}">
-                <a14:useLocalDpi xmlns="" xmlns:a14="http://schemas.microsoft.com/office/drawing/2010/main" val="0"/>
+                <a14:useLocalDpi xmlns:a14="http://schemas.microsoft.com/office/drawing/2010/main" xmlns="" val="0"/>
               </a:ext>
             </a:extLst>
           </a:blip>
@@ -4330,7 +4330,7 @@
           <a:noFill/>
           <a:extLst>
             <a:ext uri="{909E8E84-426E-40DD-AFC4-6F175D3DCCD1}">
-              <a14:hiddenFill xmlns="" xmlns:a14="http://schemas.microsoft.com/office/drawing/2010/main">
+              <a14:hiddenFill xmlns:a14="http://schemas.microsoft.com/office/drawing/2010/main" xmlns="">
                 <a:solidFill>
                   <a:srgbClr val="FFFFFF"/>
                 </a:solidFill>
@@ -4351,7 +4351,7 @@
           <a:blip r:embed="rId27" cstate="email">
             <a:extLst>
               <a:ext uri="{28A0092B-C50C-407E-A947-70E740481C1C}">
-                <a14:useLocalDpi xmlns="" xmlns:a14="http://schemas.microsoft.com/office/drawing/2010/main"/>
+                <a14:useLocalDpi xmlns:a14="http://schemas.microsoft.com/office/drawing/2010/main" xmlns=""/>
               </a:ext>
             </a:extLst>
           </a:blip>
@@ -4375,14 +4375,14 @@
           <a:effectLst/>
           <a:extLst>
             <a:ext uri="{909E8E84-426E-40DD-AFC4-6F175D3DCCD1}">
-              <a14:hiddenFill xmlns="" xmlns:a14="http://schemas.microsoft.com/office/drawing/2010/main">
+              <a14:hiddenFill xmlns:a14="http://schemas.microsoft.com/office/drawing/2010/main" xmlns="">
                 <a:solidFill>
                   <a:schemeClr val="accent1"/>
                 </a:solidFill>
               </a14:hiddenFill>
             </a:ext>
             <a:ext uri="{91240B29-F687-4F45-9708-019B960494DF}">
-              <a14:hiddenLine xmlns="" xmlns:a14="http://schemas.microsoft.com/office/drawing/2010/main" w="9525">
+              <a14:hiddenLine xmlns:a14="http://schemas.microsoft.com/office/drawing/2010/main" xmlns="" w="9525">
                 <a:solidFill>
                   <a:schemeClr val="tx1"/>
                 </a:solidFill>
@@ -4392,7 +4392,7 @@
               </a14:hiddenLine>
             </a:ext>
             <a:ext uri="{AF507438-7753-43E0-B8FC-AC1667EBCBE1}">
-              <a14:hiddenEffects xmlns="" xmlns:a14="http://schemas.microsoft.com/office/drawing/2010/main">
+              <a14:hiddenEffects xmlns:a14="http://schemas.microsoft.com/office/drawing/2010/main" xmlns="">
                 <a:effectLst>
                   <a:outerShdw dist="35921" dir="2700000" algn="ctr" rotWithShape="0">
                     <a:schemeClr val="bg2"/>
@@ -4415,7 +4415,7 @@
           <a:blip r:embed="rId28" cstate="email">
             <a:extLst>
               <a:ext uri="{28A0092B-C50C-407E-A947-70E740481C1C}">
-                <a14:useLocalDpi xmlns="" xmlns:a14="http://schemas.microsoft.com/office/drawing/2010/main"/>
+                <a14:useLocalDpi xmlns:a14="http://schemas.microsoft.com/office/drawing/2010/main" xmlns=""/>
               </a:ext>
             </a:extLst>
           </a:blip>
@@ -4439,14 +4439,14 @@
           <a:effectLst/>
           <a:extLst>
             <a:ext uri="{909E8E84-426E-40DD-AFC4-6F175D3DCCD1}">
-              <a14:hiddenFill xmlns="" xmlns:a14="http://schemas.microsoft.com/office/drawing/2010/main">
+              <a14:hiddenFill xmlns:a14="http://schemas.microsoft.com/office/drawing/2010/main" xmlns="">
                 <a:solidFill>
                   <a:schemeClr val="accent1"/>
                 </a:solidFill>
               </a14:hiddenFill>
             </a:ext>
             <a:ext uri="{91240B29-F687-4F45-9708-019B960494DF}">
-              <a14:hiddenLine xmlns="" xmlns:a14="http://schemas.microsoft.com/office/drawing/2010/main" w="9525">
+              <a14:hiddenLine xmlns:a14="http://schemas.microsoft.com/office/drawing/2010/main" xmlns="" w="9525">
                 <a:solidFill>
                   <a:schemeClr val="tx1"/>
                 </a:solidFill>
@@ -4456,7 +4456,7 @@
               </a14:hiddenLine>
             </a:ext>
             <a:ext uri="{AF507438-7753-43E0-B8FC-AC1667EBCBE1}">
-              <a14:hiddenEffects xmlns="" xmlns:a14="http://schemas.microsoft.com/office/drawing/2010/main">
+              <a14:hiddenEffects xmlns:a14="http://schemas.microsoft.com/office/drawing/2010/main" xmlns="">
                 <a:effectLst>
                   <a:outerShdw dist="35921" dir="2700000" algn="ctr" rotWithShape="0">
                     <a:schemeClr val="bg2"/>
@@ -4479,7 +4479,7 @@
           <a:blip r:embed="rId29">
             <a:extLst>
               <a:ext uri="{BEBA8EAE-BF5A-486C-A8C5-ECC9F3942E4B}">
-                <a14:imgProps xmlns="" xmlns:a14="http://schemas.microsoft.com/office/drawing/2010/main">
+                <a14:imgProps xmlns:a14="http://schemas.microsoft.com/office/drawing/2010/main" xmlns="">
                   <a14:imgLayer r:embed="rId30">
                     <a14:imgEffect>
                       <a14:brightnessContrast bright="20000"/>
@@ -4488,7 +4488,7 @@
                 </a14:imgProps>
               </a:ext>
               <a:ext uri="{28A0092B-C50C-407E-A947-70E740481C1C}">
-                <a14:useLocalDpi xmlns="" xmlns:a14="http://schemas.microsoft.com/office/drawing/2010/main" val="0"/>
+                <a14:useLocalDpi xmlns:a14="http://schemas.microsoft.com/office/drawing/2010/main" xmlns="" val="0"/>
               </a:ext>
             </a:extLst>
           </a:blip>
@@ -4516,7 +4516,7 @@
           </a:effectLst>
           <a:extLst>
             <a:ext uri="{909E8E84-426E-40DD-AFC4-6F175D3DCCD1}">
-              <a14:hiddenFill xmlns="" xmlns:a14="http://schemas.microsoft.com/office/drawing/2010/main">
+              <a14:hiddenFill xmlns:a14="http://schemas.microsoft.com/office/drawing/2010/main" xmlns="">
                 <a:solidFill>
                   <a:srgbClr val="FFFFFF"/>
                 </a:solidFill>
@@ -5407,18 +5407,7 @@
                   </a:schemeClr>
                 </a:solidFill>
               </a:rPr>
-              <a:t>Create the following Web page using external CSS styles. Buttons should consist of PNG images with text over them</a:t>
-            </a:r>
-            <a:r>
-              <a:rPr lang="en-US" sz="2600" dirty="0" smtClean="0">
-                <a:solidFill>
-                  <a:schemeClr val="tx1">
-                    <a:lumMod val="40000"/>
-                    <a:lumOff val="60000"/>
-                  </a:schemeClr>
-                </a:solidFill>
-              </a:rPr>
-              <a:t>.</a:t>
+              <a:t>Create the following Web page using external CSS styles. Buttons should consist of PNG images with text over them.</a:t>
             </a:r>
           </a:p>
           <a:p>
@@ -5447,19 +5436,7 @@
                 </a:solidFill>
                 <a:hlinkClick r:id="rId3"/>
               </a:rPr>
-              <a:t>http://www.student.ltd.uk</a:t>
-            </a:r>
-            <a:r>
-              <a:rPr lang="en-US" sz="2600" dirty="0" smtClean="0">
-                <a:solidFill>
-                  <a:schemeClr val="tx1">
-                    <a:lumMod val="40000"/>
-                    <a:lumOff val="60000"/>
-                  </a:schemeClr>
-                </a:solidFill>
-                <a:hlinkClick r:id="rId3"/>
-              </a:rPr>
-              <a:t>/</a:t>
+              <a:t>http://www.student.ltd.uk/</a:t>
             </a:r>
             <a:endParaRPr lang="en-US" sz="2600" dirty="0" smtClean="0">
               <a:solidFill>
@@ -5498,7 +5475,7 @@
           <a:blip r:embed="rId4" cstate="screen">
             <a:extLst>
               <a:ext uri="{28A0092B-C50C-407E-A947-70E740481C1C}">
-                <a14:useLocalDpi xmlns="" xmlns:a14="http://schemas.microsoft.com/office/drawing/2010/main"/>
+                <a14:useLocalDpi xmlns:a14="http://schemas.microsoft.com/office/drawing/2010/main" xmlns=""/>
               </a:ext>
             </a:extLst>
           </a:blip>
@@ -5522,14 +5499,14 @@
           <a:effectLst/>
           <a:extLst>
             <a:ext uri="{909E8E84-426E-40DD-AFC4-6F175D3DCCD1}">
-              <a14:hiddenFill xmlns="" xmlns:a14="http://schemas.microsoft.com/office/drawing/2010/main">
+              <a14:hiddenFill xmlns:a14="http://schemas.microsoft.com/office/drawing/2010/main" xmlns="">
                 <a:solidFill>
                   <a:schemeClr val="accent1"/>
                 </a:solidFill>
               </a14:hiddenFill>
             </a:ext>
             <a:ext uri="{91240B29-F687-4F45-9708-019B960494DF}">
-              <a14:hiddenLine xmlns="" xmlns:a14="http://schemas.microsoft.com/office/drawing/2010/main" w="9525">
+              <a14:hiddenLine xmlns:a14="http://schemas.microsoft.com/office/drawing/2010/main" xmlns="" w="9525">
                 <a:solidFill>
                   <a:schemeClr val="tx1"/>
                 </a:solidFill>
@@ -5539,7 +5516,7 @@
               </a14:hiddenLine>
             </a:ext>
             <a:ext uri="{AF507438-7753-43E0-B8FC-AC1667EBCBE1}">
-              <a14:hiddenEffects xmlns="" xmlns:a14="http://schemas.microsoft.com/office/drawing/2010/main">
+              <a14:hiddenEffects xmlns:a14="http://schemas.microsoft.com/office/drawing/2010/main" xmlns="">
                 <a:effectLst>
                   <a:outerShdw dist="35921" dir="2700000" algn="ctr" rotWithShape="0">
                     <a:schemeClr val="bg2"/>
@@ -5553,7 +5530,7 @@
     </p:spTree>
     <p:extLst>
       <p:ext uri="{BB962C8B-B14F-4D97-AF65-F5344CB8AC3E}">
-        <p14:creationId xmlns="" xmlns:p14="http://schemas.microsoft.com/office/powerpoint/2010/main" val="2206121840"/>
+        <p14:creationId xmlns:p14="http://schemas.microsoft.com/office/powerpoint/2010/main" xmlns="" val="2206121840"/>
       </p:ext>
     </p:extLst>
   </p:cSld>
@@ -5592,7 +5569,7 @@
           <a:blip r:embed="rId2" cstate="print">
             <a:extLst>
               <a:ext uri="{28A0092B-C50C-407E-A947-70E740481C1C}">
-                <a14:useLocalDpi xmlns="" xmlns:a14="http://schemas.microsoft.com/office/drawing/2010/main"/>
+                <a14:useLocalDpi xmlns:a14="http://schemas.microsoft.com/office/drawing/2010/main" xmlns=""/>
               </a:ext>
             </a:extLst>
           </a:blip>
@@ -5623,14 +5600,14 @@
           <a:effectLst/>
           <a:extLst>
             <a:ext uri="{909E8E84-426E-40DD-AFC4-6F175D3DCCD1}">
-              <a14:hiddenFill xmlns="" xmlns:a14="http://schemas.microsoft.com/office/drawing/2010/main">
+              <a14:hiddenFill xmlns:a14="http://schemas.microsoft.com/office/drawing/2010/main" xmlns="">
                 <a:solidFill>
                   <a:schemeClr val="accent1"/>
                 </a:solidFill>
               </a14:hiddenFill>
             </a:ext>
             <a:ext uri="{AF507438-7753-43E0-B8FC-AC1667EBCBE1}">
-              <a14:hiddenEffects xmlns="" xmlns:a14="http://schemas.microsoft.com/office/drawing/2010/main">
+              <a14:hiddenEffects xmlns:a14="http://schemas.microsoft.com/office/drawing/2010/main" xmlns="">
                 <a:effectLst>
                   <a:outerShdw dist="35921" dir="2700000" algn="ctr" rotWithShape="0">
                     <a:schemeClr val="bg2"/>
@@ -5921,7 +5898,7 @@
     </p:spTree>
     <p:extLst>
       <p:ext uri="{BB962C8B-B14F-4D97-AF65-F5344CB8AC3E}">
-        <p14:creationId xmlns="" xmlns:p14="http://schemas.microsoft.com/office/powerpoint/2010/main" val="2413646036"/>
+        <p14:creationId xmlns:p14="http://schemas.microsoft.com/office/powerpoint/2010/main" xmlns="" val="2413646036"/>
       </p:ext>
     </p:extLst>
   </p:cSld>
@@ -6009,7 +5986,7 @@
           <a:blip r:embed="rId2" cstate="print">
             <a:extLst>
               <a:ext uri="{28A0092B-C50C-407E-A947-70E740481C1C}">
-                <a14:useLocalDpi xmlns="" xmlns:a14="http://schemas.microsoft.com/office/drawing/2010/main"/>
+                <a14:useLocalDpi xmlns:a14="http://schemas.microsoft.com/office/drawing/2010/main" xmlns=""/>
               </a:ext>
             </a:extLst>
           </a:blip>
@@ -6040,7 +6017,7 @@
     </p:spTree>
     <p:extLst>
       <p:ext uri="{BB962C8B-B14F-4D97-AF65-F5344CB8AC3E}">
-        <p14:creationId xmlns="" xmlns:p14="http://schemas.microsoft.com/office/powerpoint/2010/main" val="2901693068"/>
+        <p14:creationId xmlns:p14="http://schemas.microsoft.com/office/powerpoint/2010/main" xmlns="" val="2901693068"/>
       </p:ext>
     </p:extLst>
   </p:cSld>
@@ -6133,7 +6110,7 @@
           <a:blip r:embed="rId2">
             <a:extLst>
               <a:ext uri="{28A0092B-C50C-407E-A947-70E740481C1C}">
-                <a14:useLocalDpi xmlns="" xmlns:a14="http://schemas.microsoft.com/office/drawing/2010/main"/>
+                <a14:useLocalDpi xmlns:a14="http://schemas.microsoft.com/office/drawing/2010/main" xmlns=""/>
               </a:ext>
             </a:extLst>
           </a:blip>
@@ -6157,14 +6134,14 @@
           <a:effectLst/>
           <a:extLst>
             <a:ext uri="{909E8E84-426E-40DD-AFC4-6F175D3DCCD1}">
-              <a14:hiddenFill xmlns="" xmlns:a14="http://schemas.microsoft.com/office/drawing/2010/main">
+              <a14:hiddenFill xmlns:a14="http://schemas.microsoft.com/office/drawing/2010/main" xmlns="">
                 <a:solidFill>
                   <a:schemeClr val="accent1"/>
                 </a:solidFill>
               </a14:hiddenFill>
             </a:ext>
             <a:ext uri="{91240B29-F687-4F45-9708-019B960494DF}">
-              <a14:hiddenLine xmlns="" xmlns:a14="http://schemas.microsoft.com/office/drawing/2010/main" w="9525">
+              <a14:hiddenLine xmlns:a14="http://schemas.microsoft.com/office/drawing/2010/main" xmlns="" w="9525">
                 <a:solidFill>
                   <a:schemeClr val="tx1"/>
                 </a:solidFill>
@@ -6174,7 +6151,7 @@
               </a14:hiddenLine>
             </a:ext>
             <a:ext uri="{AF507438-7753-43E0-B8FC-AC1667EBCBE1}">
-              <a14:hiddenEffects xmlns="" xmlns:a14="http://schemas.microsoft.com/office/drawing/2010/main">
+              <a14:hiddenEffects xmlns:a14="http://schemas.microsoft.com/office/drawing/2010/main" xmlns="">
                 <a:effectLst>
                   <a:outerShdw dist="35921" dir="2700000" algn="ctr" rotWithShape="0">
                     <a:schemeClr val="bg2"/>
@@ -6188,7 +6165,7 @@
     </p:spTree>
     <p:extLst>
       <p:ext uri="{BB962C8B-B14F-4D97-AF65-F5344CB8AC3E}">
-        <p14:creationId xmlns="" xmlns:p14="http://schemas.microsoft.com/office/powerpoint/2010/main" val="750520273"/>
+        <p14:creationId xmlns:p14="http://schemas.microsoft.com/office/powerpoint/2010/main" xmlns="" val="750520273"/>
       </p:ext>
     </p:extLst>
   </p:cSld>
@@ -6227,7 +6204,7 @@
           <a:blip r:embed="rId2" cstate="print">
             <a:extLst>
               <a:ext uri="{28A0092B-C50C-407E-A947-70E740481C1C}">
-                <a14:useLocalDpi xmlns="" xmlns:a14="http://schemas.microsoft.com/office/drawing/2010/main"/>
+                <a14:useLocalDpi xmlns:a14="http://schemas.microsoft.com/office/drawing/2010/main" xmlns=""/>
               </a:ext>
             </a:extLst>
           </a:blip>
@@ -6260,14 +6237,14 @@
           <a:effectLst/>
           <a:extLst>
             <a:ext uri="{909E8E84-426E-40DD-AFC4-6F175D3DCCD1}">
-              <a14:hiddenFill xmlns="" xmlns:a14="http://schemas.microsoft.com/office/drawing/2010/main">
+              <a14:hiddenFill xmlns:a14="http://schemas.microsoft.com/office/drawing/2010/main" xmlns="">
                 <a:solidFill>
                   <a:schemeClr val="accent1"/>
                 </a:solidFill>
               </a14:hiddenFill>
             </a:ext>
             <a:ext uri="{AF507438-7753-43E0-B8FC-AC1667EBCBE1}">
-              <a14:hiddenEffects xmlns="" xmlns:a14="http://schemas.microsoft.com/office/drawing/2010/main">
+              <a14:hiddenEffects xmlns:a14="http://schemas.microsoft.com/office/drawing/2010/main" xmlns="">
                 <a:effectLst>
                   <a:outerShdw dist="35921" dir="2700000" algn="ctr" rotWithShape="0">
                     <a:schemeClr val="bg2"/>
@@ -6572,7 +6549,7 @@
     </p:spTree>
     <p:extLst>
       <p:ext uri="{BB962C8B-B14F-4D97-AF65-F5344CB8AC3E}">
-        <p14:creationId xmlns="" xmlns:p14="http://schemas.microsoft.com/office/powerpoint/2010/main" val="171882235"/>
+        <p14:creationId xmlns:p14="http://schemas.microsoft.com/office/powerpoint/2010/main" xmlns="" val="171882235"/>
       </p:ext>
     </p:extLst>
   </p:cSld>
